--- a/2.python程序实例解析/2.python程序实例解析.pptx
+++ b/2.python程序实例解析/2.python程序实例解析.pptx
@@ -252,7 +252,7 @@
           <a:p>
             <a:fld id="{0F4698A1-2996-EC46-A570-51FE4B941D00}" type="datetimeFigureOut">
               <a:rPr kumimoji="1" lang="zh-CN" altLang="en-US" smtClean="0"/>
-              <a:t>2020/9/24</a:t>
+              <a:t>2020/10/13</a:t>
             </a:fld>
             <a:endParaRPr kumimoji="1" lang="zh-CN" altLang="en-US"/>
           </a:p>
@@ -429,7 +429,7 @@
           <a:p>
             <a:fld id="{FB17E5A1-6949-4686-A708-6CB6C3730745}" type="datetimeFigureOut">
               <a:rPr lang="zh-CN" altLang="en-US" smtClean="0"/>
-              <a:t>2020/9/24</a:t>
+              <a:t>2020/10/13</a:t>
             </a:fld>
             <a:endParaRPr lang="zh-CN" altLang="en-US"/>
           </a:p>
@@ -2202,6 +2202,90 @@
           <a:bodyPr/>
           <a:lstStyle/>
           <a:p>
+            <a:endParaRPr kumimoji="1" lang="zh-CN" altLang="en-US"/>
+          </a:p>
+        </p:txBody>
+      </p:sp>
+      <p:sp>
+        <p:nvSpPr>
+          <p:cNvPr id="4" name="灯片编号占位符 3"/>
+          <p:cNvSpPr>
+            <a:spLocks noGrp="1"/>
+          </p:cNvSpPr>
+          <p:nvPr>
+            <p:ph type="sldNum" sz="quarter" idx="5"/>
+          </p:nvPr>
+        </p:nvSpPr>
+        <p:spPr/>
+        <p:txBody>
+          <a:bodyPr/>
+          <a:lstStyle/>
+          <a:p>
+            <a:fld id="{87C79F39-E303-471D-A9A3-FF262EAD0C42}" type="slidenum">
+              <a:rPr lang="zh-CN" altLang="en-US" smtClean="0"/>
+              <a:t>15</a:t>
+            </a:fld>
+            <a:endParaRPr lang="zh-CN" altLang="en-US"/>
+          </a:p>
+        </p:txBody>
+      </p:sp>
+    </p:spTree>
+    <p:extLst>
+      <p:ext uri="{BB962C8B-B14F-4D97-AF65-F5344CB8AC3E}">
+        <p14:creationId xmlns:p14="http://schemas.microsoft.com/office/powerpoint/2010/main" val="2982992273"/>
+      </p:ext>
+    </p:extLst>
+  </p:cSld>
+  <p:clrMapOvr>
+    <a:masterClrMapping/>
+  </p:clrMapOvr>
+</p:notes>
+</file>
+
+<file path=ppt/notesSlides/notesSlide7.xml><?xml version="1.0" encoding="utf-8"?>
+<p:notes xmlns:a="http://schemas.openxmlformats.org/drawingml/2006/main" xmlns:r="http://schemas.openxmlformats.org/officeDocument/2006/relationships" xmlns:p="http://schemas.openxmlformats.org/presentationml/2006/main">
+  <p:cSld>
+    <p:spTree>
+      <p:nvGrpSpPr>
+        <p:cNvPr id="1" name=""/>
+        <p:cNvGrpSpPr/>
+        <p:nvPr/>
+      </p:nvGrpSpPr>
+      <p:grpSpPr>
+        <a:xfrm>
+          <a:off x="0" y="0"/>
+          <a:ext cx="0" cy="0"/>
+          <a:chOff x="0" y="0"/>
+          <a:chExt cx="0" cy="0"/>
+        </a:xfrm>
+      </p:grpSpPr>
+      <p:sp>
+        <p:nvSpPr>
+          <p:cNvPr id="2" name="幻灯片图像占位符 1"/>
+          <p:cNvSpPr>
+            <a:spLocks noGrp="1" noRot="1" noChangeAspect="1"/>
+          </p:cNvSpPr>
+          <p:nvPr>
+            <p:ph type="sldImg"/>
+          </p:nvPr>
+        </p:nvSpPr>
+        <p:spPr/>
+      </p:sp>
+      <p:sp>
+        <p:nvSpPr>
+          <p:cNvPr id="3" name="备注占位符 2"/>
+          <p:cNvSpPr>
+            <a:spLocks noGrp="1"/>
+          </p:cNvSpPr>
+          <p:nvPr>
+            <p:ph type="body" idx="1"/>
+          </p:nvPr>
+        </p:nvSpPr>
+        <p:spPr/>
+        <p:txBody>
+          <a:bodyPr/>
+          <a:lstStyle/>
+          <a:p>
             <a:endParaRPr kumimoji="1" lang="zh-CN" altLang="en-US" dirty="0"/>
           </a:p>
         </p:txBody>
@@ -2381,7 +2465,7 @@
           <a:p>
             <a:fld id="{1D8BD707-D9CF-40AE-B4C6-C98DA3205C09}" type="datetimeFigureOut">
               <a:rPr lang="en-US"/>
-              <a:t>9/24/2020</a:t>
+              <a:t>10/13/20</a:t>
             </a:fld>
             <a:endParaRPr lang="en-US"/>
           </a:p>
@@ -2558,7 +2642,7 @@
           <a:p>
             <a:fld id="{1D8BD707-D9CF-40AE-B4C6-C98DA3205C09}" type="datetimeFigureOut">
               <a:rPr lang="en-US"/>
-              <a:t>9/24/2020</a:t>
+              <a:t>10/13/20</a:t>
             </a:fld>
             <a:endParaRPr lang="en-US"/>
           </a:p>
@@ -3054,7 +3138,7 @@
           <a:p>
             <a:fld id="{1D8BD707-D9CF-40AE-B4C6-C98DA3205C09}" type="datetimeFigureOut">
               <a:rPr lang="en-US"/>
-              <a:t>9/24/2020</a:t>
+              <a:t>10/13/20</a:t>
             </a:fld>
             <a:endParaRPr lang="en-US"/>
           </a:p>
@@ -3239,7 +3323,7 @@
           <a:p>
             <a:fld id="{1D8BD707-D9CF-40AE-B4C6-C98DA3205C09}" type="datetimeFigureOut">
               <a:rPr lang="en-US"/>
-              <a:t>9/24/2020</a:t>
+              <a:t>10/13/20</a:t>
             </a:fld>
             <a:endParaRPr lang="en-US"/>
           </a:p>
@@ -3358,7 +3442,7 @@
           <a:p>
             <a:fld id="{1D8BD707-D9CF-40AE-B4C6-C98DA3205C09}" type="datetimeFigureOut">
               <a:rPr lang="en-US"/>
-              <a:t>9/24/2020</a:t>
+              <a:t>10/13/20</a:t>
             </a:fld>
             <a:endParaRPr lang="en-US"/>
           </a:p>
@@ -3632,7 +3716,7 @@
           <a:p>
             <a:fld id="{1D8BD707-D9CF-40AE-B4C6-C98DA3205C09}" type="datetimeFigureOut">
               <a:rPr lang="en-US"/>
-              <a:t>9/24/2020</a:t>
+              <a:t>10/13/20</a:t>
             </a:fld>
             <a:endParaRPr lang="en-US"/>
           </a:p>
@@ -8554,7 +8638,7 @@
             <a:avLst/>
           </a:prstGeom>
           <a:blipFill>
-            <a:blip r:embed="rId2" cstate="print"/>
+            <a:blip r:embed="rId3" cstate="print"/>
             <a:stretch>
               <a:fillRect/>
             </a:stretch>
@@ -8583,7 +8667,7 @@
             <a:avLst/>
           </a:prstGeom>
           <a:blipFill>
-            <a:blip r:embed="rId3" cstate="print"/>
+            <a:blip r:embed="rId4" cstate="print"/>
             <a:stretch>
               <a:fillRect/>
             </a:stretch>
